--- a/Kanta/Recessional/Katapusan/Tulobagon.pptx
+++ b/Kanta/Recessional/Katapusan/Tulobagon.pptx
@@ -209,7 +209,7 @@
           <a:p>
             <a:fld id="{2E860BF0-D007-460F-BF20-9BF0E803D277}" type="datetimeFigureOut">
               <a:rPr lang="en-US" smtClean="0"/>
-              <a:t>3/3/2025</a:t>
+              <a:t>2/18/2026</a:t>
             </a:fld>
             <a:endParaRPr lang="en-US"/>
           </a:p>
@@ -623,7 +623,7 @@
           <a:p>
             <a:fld id="{689CB065-93CC-4F93-97CB-5160E2F98F73}" type="datetimeFigureOut">
               <a:rPr lang="en-US" smtClean="0"/>
-              <a:t>3/3/2025</a:t>
+              <a:t>2/18/2026</a:t>
             </a:fld>
             <a:endParaRPr lang="en-US"/>
           </a:p>
@@ -821,7 +821,7 @@
           <a:p>
             <a:fld id="{689CB065-93CC-4F93-97CB-5160E2F98F73}" type="datetimeFigureOut">
               <a:rPr lang="en-US" smtClean="0"/>
-              <a:t>3/3/2025</a:t>
+              <a:t>2/18/2026</a:t>
             </a:fld>
             <a:endParaRPr lang="en-US"/>
           </a:p>
@@ -1029,7 +1029,7 @@
           <a:p>
             <a:fld id="{689CB065-93CC-4F93-97CB-5160E2F98F73}" type="datetimeFigureOut">
               <a:rPr lang="en-US" smtClean="0"/>
-              <a:t>3/3/2025</a:t>
+              <a:t>2/18/2026</a:t>
             </a:fld>
             <a:endParaRPr lang="en-US"/>
           </a:p>
@@ -1227,7 +1227,7 @@
           <a:p>
             <a:fld id="{689CB065-93CC-4F93-97CB-5160E2F98F73}" type="datetimeFigureOut">
               <a:rPr lang="en-US" smtClean="0"/>
-              <a:t>3/3/2025</a:t>
+              <a:t>2/18/2026</a:t>
             </a:fld>
             <a:endParaRPr lang="en-US"/>
           </a:p>
@@ -1502,7 +1502,7 @@
           <a:p>
             <a:fld id="{689CB065-93CC-4F93-97CB-5160E2F98F73}" type="datetimeFigureOut">
               <a:rPr lang="en-US" smtClean="0"/>
-              <a:t>3/3/2025</a:t>
+              <a:t>2/18/2026</a:t>
             </a:fld>
             <a:endParaRPr lang="en-US"/>
           </a:p>
@@ -1767,7 +1767,7 @@
           <a:p>
             <a:fld id="{689CB065-93CC-4F93-97CB-5160E2F98F73}" type="datetimeFigureOut">
               <a:rPr lang="en-US" smtClean="0"/>
-              <a:t>3/3/2025</a:t>
+              <a:t>2/18/2026</a:t>
             </a:fld>
             <a:endParaRPr lang="en-US"/>
           </a:p>
@@ -2179,7 +2179,7 @@
           <a:p>
             <a:fld id="{689CB065-93CC-4F93-97CB-5160E2F98F73}" type="datetimeFigureOut">
               <a:rPr lang="en-US" smtClean="0"/>
-              <a:t>3/3/2025</a:t>
+              <a:t>2/18/2026</a:t>
             </a:fld>
             <a:endParaRPr lang="en-US"/>
           </a:p>
@@ -2320,7 +2320,7 @@
           <a:p>
             <a:fld id="{689CB065-93CC-4F93-97CB-5160E2F98F73}" type="datetimeFigureOut">
               <a:rPr lang="en-US" smtClean="0"/>
-              <a:t>3/3/2025</a:t>
+              <a:t>2/18/2026</a:t>
             </a:fld>
             <a:endParaRPr lang="en-US"/>
           </a:p>
@@ -2433,7 +2433,7 @@
           <a:p>
             <a:fld id="{689CB065-93CC-4F93-97CB-5160E2F98F73}" type="datetimeFigureOut">
               <a:rPr lang="en-US" smtClean="0"/>
-              <a:t>3/3/2025</a:t>
+              <a:t>2/18/2026</a:t>
             </a:fld>
             <a:endParaRPr lang="en-US"/>
           </a:p>
@@ -2744,7 +2744,7 @@
           <a:p>
             <a:fld id="{689CB065-93CC-4F93-97CB-5160E2F98F73}" type="datetimeFigureOut">
               <a:rPr lang="en-US" smtClean="0"/>
-              <a:t>3/3/2025</a:t>
+              <a:t>2/18/2026</a:t>
             </a:fld>
             <a:endParaRPr lang="en-US"/>
           </a:p>
@@ -3032,7 +3032,7 @@
           <a:p>
             <a:fld id="{689CB065-93CC-4F93-97CB-5160E2F98F73}" type="datetimeFigureOut">
               <a:rPr lang="en-US" smtClean="0"/>
-              <a:t>3/3/2025</a:t>
+              <a:t>2/18/2026</a:t>
             </a:fld>
             <a:endParaRPr lang="en-US"/>
           </a:p>
@@ -3276,7 +3276,7 @@
           <a:p>
             <a:fld id="{689CB065-93CC-4F93-97CB-5160E2F98F73}" type="datetimeFigureOut">
               <a:rPr lang="en-US" smtClean="0"/>
-              <a:t>3/3/2025</a:t>
+              <a:t>2/18/2026</a:t>
             </a:fld>
             <a:endParaRPr lang="en-US"/>
           </a:p>
@@ -4468,14 +4468,14 @@
           <a:p>
             <a:pPr algn="ctr"/>
             <a:r>
-              <a:rPr lang="sv-SE" sz="11500" dirty="0">
+              <a:rPr lang="sv-SE" sz="11500">
                 <a:solidFill>
                   <a:schemeClr val="bg1"/>
                 </a:solidFill>
                 <a:latin typeface="Times New Roman" panose="02020603050405020304" pitchFamily="18" charset="0"/>
                 <a:cs typeface="Times New Roman" panose="02020603050405020304" pitchFamily="18" charset="0"/>
               </a:rPr>
-              <a:t>Litang Tanan Dunay Tublubagon</a:t>
+              <a:t>Kitang Tanan Adunay Tulubagon</a:t>
             </a:r>
             <a:br>
               <a:rPr lang="sv-SE" sz="11500" dirty="0">
